--- a/doc/boolean/pointInMesh.pptx
+++ b/doc/boolean/pointInMesh.pptx
@@ -7,11 +7,12 @@
   <p:sldIdLst>
     <p:sldId id="256" r:id="rId3"/>
     <p:sldId id="257" r:id="rId4"/>
+    <p:sldId id="258" r:id="rId5"/>
   </p:sldIdLst>
   <p:sldSz cx="12192000" cy="6858000"/>
   <p:notesSz cx="6858000" cy="9144000"/>
   <p:custDataLst>
-    <p:tags r:id="rId8"/>
+    <p:tags r:id="rId9"/>
   </p:custDataLst>
   <p:defaultTextStyle>
     <a:defPPr>
@@ -3923,6 +3924,349 @@
 </p:sld>
 </file>
 
+<file path=ppt/slides/slide3.xml><?xml version="1.0" encoding="utf-8"?>
+<p:sld xmlns:a="http://schemas.openxmlformats.org/drawingml/2006/main" xmlns:r="http://schemas.openxmlformats.org/officeDocument/2006/relationships" xmlns:p="http://schemas.openxmlformats.org/presentationml/2006/main">
+  <p:cSld>
+    <p:spTree>
+      <p:nvGrpSpPr>
+        <p:cNvPr id="1" name=""/>
+        <p:cNvGrpSpPr/>
+        <p:nvPr/>
+      </p:nvGrpSpPr>
+      <p:grpSpPr/>
+      <p:sp>
+        <p:nvSpPr>
+          <p:cNvPr id="12" name="文本框 11"/>
+          <p:cNvSpPr txBox="1"/>
+          <p:nvPr/>
+        </p:nvSpPr>
+        <p:spPr>
+          <a:xfrm>
+            <a:off x="2995295" y="898525"/>
+            <a:ext cx="4064000" cy="368300"/>
+          </a:xfrm>
+          <a:prstGeom prst="rect">
+            <a:avLst/>
+          </a:prstGeom>
+          <a:noFill/>
+        </p:spPr>
+        <p:txBody>
+          <a:bodyPr wrap="square" rtlCol="0">
+            <a:spAutoFit/>
+          </a:bodyPr>
+          <a:p>
+            <a:r>
+              <a:rPr lang="en-US" altLang="zh-CN"/>
+              <a:t>meshA</a:t>
+            </a:r>
+            <a:endParaRPr lang="en-US" altLang="zh-CN"/>
+          </a:p>
+        </p:txBody>
+      </p:sp>
+      <p:sp>
+        <p:nvSpPr>
+          <p:cNvPr id="13" name="矩形 12"/>
+          <p:cNvSpPr/>
+          <p:nvPr/>
+        </p:nvSpPr>
+        <p:spPr>
+          <a:xfrm>
+            <a:off x="1577975" y="1336040"/>
+            <a:ext cx="4603115" cy="2291715"/>
+          </a:xfrm>
+          <a:prstGeom prst="rect">
+            <a:avLst/>
+          </a:prstGeom>
+          <a:noFill/>
+          <a:extLst>
+            <a:ext uri="{909E8E84-426E-40DD-AFC4-6F175D3DCCD1}">
+              <a14:hiddenFill xmlns:a14="http://schemas.microsoft.com/office/drawing/2010/main">
+                <a:solidFill>
+                  <a:schemeClr val="accent1"/>
+                </a:solidFill>
+              </a14:hiddenFill>
+            </a:ext>
+          </a:extLst>
+        </p:spPr>
+        <p:style>
+          <a:lnRef idx="2">
+            <a:schemeClr val="accent1">
+              <a:shade val="50000"/>
+            </a:schemeClr>
+          </a:lnRef>
+          <a:fillRef idx="1">
+            <a:schemeClr val="accent1"/>
+          </a:fillRef>
+          <a:effectRef idx="0">
+            <a:schemeClr val="accent1"/>
+          </a:effectRef>
+          <a:fontRef idx="minor">
+            <a:schemeClr val="lt1"/>
+          </a:fontRef>
+        </p:style>
+        <p:txBody>
+          <a:bodyPr rtlCol="0" anchor="ctr"/>
+          <a:p>
+            <a:pPr algn="ctr"/>
+            <a:endParaRPr lang="zh-CN" altLang="en-US"/>
+          </a:p>
+        </p:txBody>
+      </p:sp>
+      <p:sp>
+        <p:nvSpPr>
+          <p:cNvPr id="14" name="椭圆 13"/>
+          <p:cNvSpPr/>
+          <p:nvPr/>
+        </p:nvSpPr>
+        <p:spPr>
+          <a:xfrm>
+            <a:off x="4060190" y="1811655"/>
+            <a:ext cx="6381115" cy="1359535"/>
+          </a:xfrm>
+          <a:prstGeom prst="ellipse">
+            <a:avLst/>
+          </a:prstGeom>
+          <a:noFill/>
+          <a:extLst>
+            <a:ext uri="{909E8E84-426E-40DD-AFC4-6F175D3DCCD1}">
+              <a14:hiddenFill xmlns:a14="http://schemas.microsoft.com/office/drawing/2010/main">
+                <a:solidFill>
+                  <a:schemeClr val="accent1"/>
+                </a:solidFill>
+              </a14:hiddenFill>
+            </a:ext>
+          </a:extLst>
+        </p:spPr>
+        <p:style>
+          <a:lnRef idx="2">
+            <a:schemeClr val="accent1">
+              <a:shade val="50000"/>
+            </a:schemeClr>
+          </a:lnRef>
+          <a:fillRef idx="1">
+            <a:schemeClr val="accent1"/>
+          </a:fillRef>
+          <a:effectRef idx="0">
+            <a:schemeClr val="accent1"/>
+          </a:effectRef>
+          <a:fontRef idx="minor">
+            <a:schemeClr val="lt1"/>
+          </a:fontRef>
+        </p:style>
+        <p:txBody>
+          <a:bodyPr rtlCol="0" anchor="ctr"/>
+          <a:p>
+            <a:pPr algn="ctr"/>
+            <a:endParaRPr lang="zh-CN" altLang="en-US"/>
+          </a:p>
+        </p:txBody>
+      </p:sp>
+      <p:sp>
+        <p:nvSpPr>
+          <p:cNvPr id="15" name="文本框 14"/>
+          <p:cNvSpPr txBox="1"/>
+          <p:nvPr/>
+        </p:nvSpPr>
+        <p:spPr>
+          <a:xfrm>
+            <a:off x="7902575" y="1336040"/>
+            <a:ext cx="1381760" cy="368300"/>
+          </a:xfrm>
+          <a:prstGeom prst="rect">
+            <a:avLst/>
+          </a:prstGeom>
+          <a:noFill/>
+        </p:spPr>
+        <p:txBody>
+          <a:bodyPr wrap="square" rtlCol="0">
+            <a:spAutoFit/>
+          </a:bodyPr>
+          <a:p>
+            <a:r>
+              <a:rPr lang="en-US" altLang="zh-CN"/>
+              <a:t>meshB</a:t>
+            </a:r>
+            <a:endParaRPr lang="en-US" altLang="zh-CN"/>
+          </a:p>
+        </p:txBody>
+      </p:sp>
+      <p:sp>
+        <p:nvSpPr>
+          <p:cNvPr id="17" name="文本框 16"/>
+          <p:cNvSpPr txBox="1"/>
+          <p:nvPr/>
+        </p:nvSpPr>
+        <p:spPr>
+          <a:xfrm>
+            <a:off x="1847850" y="1811655"/>
+            <a:ext cx="1147445" cy="368300"/>
+          </a:xfrm>
+          <a:prstGeom prst="rect">
+            <a:avLst/>
+          </a:prstGeom>
+          <a:noFill/>
+        </p:spPr>
+        <p:txBody>
+          <a:bodyPr wrap="square" rtlCol="0">
+            <a:spAutoFit/>
+          </a:bodyPr>
+          <a:p>
+            <a:r>
+              <a:rPr lang="en-US" altLang="zh-CN"/>
+              <a:t>PartA1</a:t>
+            </a:r>
+            <a:endParaRPr lang="en-US" altLang="zh-CN"/>
+          </a:p>
+        </p:txBody>
+      </p:sp>
+      <p:sp>
+        <p:nvSpPr>
+          <p:cNvPr id="19" name="文本框 18"/>
+          <p:cNvSpPr txBox="1"/>
+          <p:nvPr/>
+        </p:nvSpPr>
+        <p:spPr>
+          <a:xfrm>
+            <a:off x="5712460" y="2307590"/>
+            <a:ext cx="1147445" cy="368300"/>
+          </a:xfrm>
+          <a:prstGeom prst="rect">
+            <a:avLst/>
+          </a:prstGeom>
+          <a:noFill/>
+        </p:spPr>
+        <p:txBody>
+          <a:bodyPr wrap="square" rtlCol="0">
+            <a:spAutoFit/>
+          </a:bodyPr>
+          <a:p>
+            <a:r>
+              <a:rPr lang="en-US" altLang="zh-CN"/>
+              <a:t>PartA2</a:t>
+            </a:r>
+            <a:endParaRPr lang="en-US" altLang="zh-CN"/>
+          </a:p>
+        </p:txBody>
+      </p:sp>
+      <p:sp>
+        <p:nvSpPr>
+          <p:cNvPr id="20" name="文本框 19"/>
+          <p:cNvSpPr txBox="1"/>
+          <p:nvPr/>
+        </p:nvSpPr>
+        <p:spPr>
+          <a:xfrm>
+            <a:off x="3487420" y="2297430"/>
+            <a:ext cx="1147445" cy="368300"/>
+          </a:xfrm>
+          <a:prstGeom prst="rect">
+            <a:avLst/>
+          </a:prstGeom>
+          <a:noFill/>
+        </p:spPr>
+        <p:txBody>
+          <a:bodyPr wrap="square" rtlCol="0">
+            <a:spAutoFit/>
+          </a:bodyPr>
+          <a:p>
+            <a:r>
+              <a:rPr lang="en-US" altLang="zh-CN"/>
+              <a:t>PartB1</a:t>
+            </a:r>
+            <a:endParaRPr lang="en-US" altLang="zh-CN"/>
+          </a:p>
+        </p:txBody>
+      </p:sp>
+      <p:sp>
+        <p:nvSpPr>
+          <p:cNvPr id="21" name="文本框 20"/>
+          <p:cNvSpPr txBox="1"/>
+          <p:nvPr/>
+        </p:nvSpPr>
+        <p:spPr>
+          <a:xfrm>
+            <a:off x="8888730" y="2297430"/>
+            <a:ext cx="1147445" cy="368300"/>
+          </a:xfrm>
+          <a:prstGeom prst="rect">
+            <a:avLst/>
+          </a:prstGeom>
+          <a:noFill/>
+        </p:spPr>
+        <p:txBody>
+          <a:bodyPr wrap="square" rtlCol="0">
+            <a:spAutoFit/>
+          </a:bodyPr>
+          <a:p>
+            <a:r>
+              <a:rPr lang="en-US" altLang="zh-CN"/>
+              <a:t>PartB2</a:t>
+            </a:r>
+            <a:endParaRPr lang="en-US" altLang="zh-CN"/>
+          </a:p>
+        </p:txBody>
+      </p:sp>
+      <p:sp>
+        <p:nvSpPr>
+          <p:cNvPr id="22" name="文本框 21"/>
+          <p:cNvSpPr txBox="1"/>
+          <p:nvPr/>
+        </p:nvSpPr>
+        <p:spPr>
+          <a:xfrm>
+            <a:off x="1530350" y="4131945"/>
+            <a:ext cx="7973060" cy="958850"/>
+          </a:xfrm>
+          <a:prstGeom prst="rect">
+            <a:avLst/>
+          </a:prstGeom>
+          <a:noFill/>
+        </p:spPr>
+        <p:txBody>
+          <a:bodyPr wrap="square" rtlCol="0">
+            <a:noAutofit/>
+          </a:bodyPr>
+          <a:p>
+            <a:r>
+              <a:rPr lang="en-US" altLang="zh-CN"/>
+              <a:t>if Difference, result=PartA1+PartB1.</a:t>
+            </a:r>
+            <a:endParaRPr lang="en-US" altLang="zh-CN"/>
+          </a:p>
+          <a:p>
+            <a:r>
+              <a:rPr lang="en-US" altLang="zh-CN">
+                <a:sym typeface="+mn-ea"/>
+              </a:rPr>
+              <a:t>if Intersect, result=PartA2+PartB1.</a:t>
+            </a:r>
+            <a:endParaRPr lang="en-US" altLang="zh-CN"/>
+          </a:p>
+          <a:p>
+            <a:r>
+              <a:rPr lang="en-US" altLang="zh-CN">
+                <a:sym typeface="+mn-ea"/>
+              </a:rPr>
+              <a:t>if Union, result=PartA1+PartB2.</a:t>
+            </a:r>
+            <a:endParaRPr lang="en-US" altLang="zh-CN"/>
+          </a:p>
+          <a:p>
+            <a:endParaRPr lang="en-US" altLang="zh-CN"/>
+          </a:p>
+        </p:txBody>
+      </p:sp>
+    </p:spTree>
+    <p:custDataLst>
+      <p:tags r:id="rId1"/>
+    </p:custDataLst>
+  </p:cSld>
+  <p:clrMapOvr>
+    <a:masterClrMapping/>
+  </p:clrMapOvr>
+</p:sld>
+</file>
+
 <file path=ppt/tags/tag1.xml><?xml version="1.0" encoding="utf-8"?>
 <p:tagLst xmlns:p="http://schemas.openxmlformats.org/presentationml/2006/main">
   <p:tag name="KSO_WM_UNIT_HIGHLIGHT" val="0"/>
@@ -4726,7 +5070,16 @@
 
 <file path=ppt/tags/tag65.xml><?xml version="1.0" encoding="utf-8"?>
 <p:tagLst xmlns:p="http://schemas.openxmlformats.org/presentationml/2006/main">
+  <p:tag name="KSO_WM_BEAUTIFY_FLAG" val="#wm#"/>
+  <p:tag name="KSO_WM_TEMPLATE_CATEGORY" val="custom"/>
+  <p:tag name="KSO_WM_TEMPLATE_INDEX" val="20205176"/>
+</p:tagLst>
+</file>
+
+<file path=ppt/tags/tag66.xml><?xml version="1.0" encoding="utf-8"?>
+<p:tagLst xmlns:p="http://schemas.openxmlformats.org/presentationml/2006/main">
   <p:tag name="COMMONDATA" val="eyJoZGlkIjoiN2M1NGY0NmQ2YWFkYmMzZWRiMDBkZTU0ODYyZjNmNTYifQ=="/>
+  <p:tag name="KSO_WPP_MARK_KEY" val="3d98072d-bb11-481f-bf26-9bb891988958"/>
 </p:tagLst>
 </file>
 
